--- a/3ИС-2 Дубровский Алексей Михайлович.pptx
+++ b/3ИС-2 Дубровский Алексей Михайлович.pptx
@@ -10,8 +10,9 @@
     <p:sldId id="259" r:id="rId4"/>
     <p:sldId id="260" r:id="rId5"/>
     <p:sldId id="261" r:id="rId6"/>
-    <p:sldId id="262" r:id="rId7"/>
-    <p:sldId id="258" r:id="rId8"/>
+    <p:sldId id="263" r:id="rId7"/>
+    <p:sldId id="262" r:id="rId8"/>
+    <p:sldId id="258" r:id="rId9"/>
   </p:sldIdLst>
   <p:sldSz cx="12192000" cy="6858000"/>
   <p:notesSz cx="6858000" cy="9144000"/>
@@ -4739,7 +4740,7 @@
         <p:spPr>
           <a:xfrm>
             <a:off x="359544" y="1419458"/>
-            <a:ext cx="11390051" cy="4401205"/>
+            <a:ext cx="11390051" cy="3477875"/>
           </a:xfrm>
           <a:prstGeom prst="rect">
             <a:avLst/>
@@ -4832,29 +4833,8 @@
             </a:pPr>
             <a:r>
               <a:rPr lang="ru-RU" sz="3200" dirty="0"/>
-              <a:t>Отладка программы</a:t>
-            </a:r>
-            <a:r>
-              <a:rPr lang="en-US" sz="3200" dirty="0"/>
-              <a:t>;</a:t>
-            </a:r>
-          </a:p>
-          <a:p>
-            <a:pPr marL="285750" indent="-285750">
-              <a:buFont typeface="Arial" panose="020B0604020202020204" pitchFamily="34" charset="0"/>
-              <a:buChar char="•"/>
-            </a:pPr>
-            <a:r>
-              <a:rPr lang="ru-RU" sz="3200" dirty="0"/>
-              <a:t>Составление документации.</a:t>
-            </a:r>
-            <a:endParaRPr lang="en-US" sz="3200" dirty="0"/>
-          </a:p>
-          <a:p>
-            <a:pPr marL="285750" indent="-285750">
-              <a:buFont typeface="Arial" panose="020B0604020202020204" pitchFamily="34" charset="0"/>
-              <a:buChar char="•"/>
-            </a:pPr>
+              <a:t>Отладка программы.</a:t>
+            </a:r>
             <a:endParaRPr lang="en-US" sz="2800" dirty="0"/>
           </a:p>
           <a:p>
@@ -4915,12 +4895,12 @@
         <p:spPr>
           <a:xfrm>
             <a:off x="186430" y="145819"/>
-            <a:ext cx="11913834" cy="768581"/>
+            <a:ext cx="9814820" cy="768581"/>
           </a:xfrm>
         </p:spPr>
         <p:txBody>
           <a:bodyPr>
-            <a:normAutofit/>
+            <a:normAutofit fontScale="90000"/>
           </a:bodyPr>
           <a:lstStyle/>
           <a:p>
@@ -4930,7 +4910,7 @@
                 <a:latin typeface="Times New Roman" panose="02020603050405020304" pitchFamily="18" charset="0"/>
                 <a:ea typeface="Times New Roman" panose="02020603050405020304" pitchFamily="18" charset="0"/>
               </a:rPr>
-              <a:t>Структурная схема класса</a:t>
+              <a:t>Разработка алгоритма поиска суммы десяти</a:t>
             </a:r>
             <a:endParaRPr lang="ru-RU" sz="11500" b="1" dirty="0"/>
           </a:p>
@@ -4966,37 +4946,12 @@
           </a:prstGeom>
         </p:spPr>
       </p:pic>
-      <p:sp>
-        <p:nvSpPr>
-          <p:cNvPr id="6" name="Подзаголовок 5">
+      <p:pic>
+        <p:nvPicPr>
+          <p:cNvPr id="1026" name="Рисунок 1">
             <a:extLst>
               <a:ext uri="{FF2B5EF4-FFF2-40B4-BE49-F238E27FC236}">
-                <a16:creationId xmlns:a16="http://schemas.microsoft.com/office/drawing/2014/main" id="{40E7898D-1395-4325-8034-AD247CA601EE}"/>
-              </a:ext>
-            </a:extLst>
-          </p:cNvPr>
-          <p:cNvSpPr>
-            <a:spLocks noGrp="1"/>
-          </p:cNvSpPr>
-          <p:nvPr>
-            <p:ph type="subTitle" idx="1"/>
-          </p:nvPr>
-        </p:nvSpPr>
-        <p:spPr/>
-        <p:txBody>
-          <a:bodyPr/>
-          <a:lstStyle/>
-          <a:p>
-            <a:endParaRPr lang="ru-RU"/>
-          </a:p>
-        </p:txBody>
-      </p:sp>
-      <p:pic>
-        <p:nvPicPr>
-          <p:cNvPr id="1027" name="Рисунок 1">
-            <a:extLst>
-              <a:ext uri="{FF2B5EF4-FFF2-40B4-BE49-F238E27FC236}">
-                <a16:creationId xmlns:a16="http://schemas.microsoft.com/office/drawing/2014/main" id="{FF45BBD7-841E-400C-B170-46E027BCE524}"/>
+                <a16:creationId xmlns:a16="http://schemas.microsoft.com/office/drawing/2014/main" id="{2E70E96E-4CE2-4764-9519-7E1C5EDF9D68}"/>
               </a:ext>
             </a:extLst>
           </p:cNvPr>
@@ -5020,8 +4975,8 @@
         </p:blipFill>
         <p:spPr bwMode="auto">
           <a:xfrm>
-            <a:off x="912674" y="1132114"/>
-            <a:ext cx="10387039" cy="4984335"/>
+            <a:off x="186430" y="880368"/>
+            <a:ext cx="2865160" cy="5431656"/>
           </a:xfrm>
           <a:prstGeom prst="rect">
             <a:avLst/>
@@ -5051,6 +5006,515 @@
           </a:extLst>
         </p:spPr>
       </p:pic>
+      <p:pic>
+        <p:nvPicPr>
+          <p:cNvPr id="1027" name="Рисунок 1">
+            <a:extLst>
+              <a:ext uri="{FF2B5EF4-FFF2-40B4-BE49-F238E27FC236}">
+                <a16:creationId xmlns:a16="http://schemas.microsoft.com/office/drawing/2014/main" id="{1EFC9CF6-677E-4F0D-A98E-5C0431E9B3ED}"/>
+              </a:ext>
+            </a:extLst>
+          </p:cNvPr>
+          <p:cNvPicPr>
+            <a:picLocks noChangeAspect="1" noChangeArrowheads="1"/>
+          </p:cNvPicPr>
+          <p:nvPr/>
+        </p:nvPicPr>
+        <p:blipFill>
+          <a:blip r:embed="rId4">
+            <a:extLst>
+              <a:ext uri="{28A0092B-C50C-407E-A947-70E740481C1C}">
+                <a14:useLocalDpi xmlns:a14="http://schemas.microsoft.com/office/drawing/2010/main" val="0"/>
+              </a:ext>
+            </a:extLst>
+          </a:blip>
+          <a:srcRect/>
+          <a:stretch>
+            <a:fillRect/>
+          </a:stretch>
+        </p:blipFill>
+        <p:spPr bwMode="auto">
+          <a:xfrm>
+            <a:off x="3051590" y="880368"/>
+            <a:ext cx="3586424" cy="5431656"/>
+          </a:xfrm>
+          <a:prstGeom prst="rect">
+            <a:avLst/>
+          </a:prstGeom>
+          <a:noFill/>
+          <a:ln>
+            <a:noFill/>
+          </a:ln>
+          <a:extLst>
+            <a:ext uri="{909E8E84-426E-40DD-AFC4-6F175D3DCCD1}">
+              <a14:hiddenFill xmlns:a14="http://schemas.microsoft.com/office/drawing/2010/main">
+                <a:solidFill>
+                  <a:srgbClr val="FFFFFF"/>
+                </a:solidFill>
+              </a14:hiddenFill>
+            </a:ext>
+            <a:ext uri="{91240B29-F687-4F45-9708-019B960494DF}">
+              <a14:hiddenLine xmlns:a14="http://schemas.microsoft.com/office/drawing/2010/main" w="9525">
+                <a:solidFill>
+                  <a:srgbClr val="000000"/>
+                </a:solidFill>
+                <a:miter lim="800000"/>
+                <a:headEnd/>
+                <a:tailEnd/>
+              </a14:hiddenLine>
+            </a:ext>
+          </a:extLst>
+        </p:spPr>
+      </p:pic>
+      <p:pic>
+        <p:nvPicPr>
+          <p:cNvPr id="1028" name="Рисунок 1">
+            <a:extLst>
+              <a:ext uri="{FF2B5EF4-FFF2-40B4-BE49-F238E27FC236}">
+                <a16:creationId xmlns:a16="http://schemas.microsoft.com/office/drawing/2014/main" id="{7164840B-AD25-44B0-9129-4688C1458B67}"/>
+              </a:ext>
+            </a:extLst>
+          </p:cNvPr>
+          <p:cNvPicPr>
+            <a:picLocks noChangeAspect="1" noChangeArrowheads="1"/>
+          </p:cNvPicPr>
+          <p:nvPr/>
+        </p:nvPicPr>
+        <p:blipFill>
+          <a:blip r:embed="rId5">
+            <a:extLst>
+              <a:ext uri="{28A0092B-C50C-407E-A947-70E740481C1C}">
+                <a14:useLocalDpi xmlns:a14="http://schemas.microsoft.com/office/drawing/2010/main" val="0"/>
+              </a:ext>
+            </a:extLst>
+          </a:blip>
+          <a:srcRect/>
+          <a:stretch>
+            <a:fillRect/>
+          </a:stretch>
+        </p:blipFill>
+        <p:spPr bwMode="auto">
+          <a:xfrm>
+            <a:off x="6607502" y="897384"/>
+            <a:ext cx="2895672" cy="5431656"/>
+          </a:xfrm>
+          <a:prstGeom prst="rect">
+            <a:avLst/>
+          </a:prstGeom>
+          <a:noFill/>
+          <a:ln>
+            <a:noFill/>
+          </a:ln>
+          <a:extLst>
+            <a:ext uri="{909E8E84-426E-40DD-AFC4-6F175D3DCCD1}">
+              <a14:hiddenFill xmlns:a14="http://schemas.microsoft.com/office/drawing/2010/main">
+                <a:solidFill>
+                  <a:srgbClr val="FFFFFF"/>
+                </a:solidFill>
+              </a14:hiddenFill>
+            </a:ext>
+            <a:ext uri="{91240B29-F687-4F45-9708-019B960494DF}">
+              <a14:hiddenLine xmlns:a14="http://schemas.microsoft.com/office/drawing/2010/main" w="9525">
+                <a:solidFill>
+                  <a:srgbClr val="000000"/>
+                </a:solidFill>
+                <a:miter lim="800000"/>
+                <a:headEnd/>
+                <a:tailEnd/>
+              </a14:hiddenLine>
+            </a:ext>
+          </a:extLst>
+        </p:spPr>
+      </p:pic>
+      <p:pic>
+        <p:nvPicPr>
+          <p:cNvPr id="1029" name="Рисунок 1">
+            <a:extLst>
+              <a:ext uri="{FF2B5EF4-FFF2-40B4-BE49-F238E27FC236}">
+                <a16:creationId xmlns:a16="http://schemas.microsoft.com/office/drawing/2014/main" id="{62FB7C18-088F-4514-BFC5-7F8D9E9340C0}"/>
+              </a:ext>
+            </a:extLst>
+          </p:cNvPr>
+          <p:cNvPicPr>
+            <a:picLocks noChangeAspect="1" noChangeArrowheads="1"/>
+          </p:cNvPicPr>
+          <p:nvPr/>
+        </p:nvPicPr>
+        <p:blipFill>
+          <a:blip r:embed="rId6">
+            <a:extLst>
+              <a:ext uri="{28A0092B-C50C-407E-A947-70E740481C1C}">
+                <a14:useLocalDpi xmlns:a14="http://schemas.microsoft.com/office/drawing/2010/main" val="0"/>
+              </a:ext>
+            </a:extLst>
+          </a:blip>
+          <a:srcRect/>
+          <a:stretch>
+            <a:fillRect/>
+          </a:stretch>
+        </p:blipFill>
+        <p:spPr bwMode="auto">
+          <a:xfrm>
+            <a:off x="9449386" y="851821"/>
+            <a:ext cx="2556184" cy="5477220"/>
+          </a:xfrm>
+          <a:prstGeom prst="rect">
+            <a:avLst/>
+          </a:prstGeom>
+          <a:noFill/>
+          <a:ln>
+            <a:noFill/>
+          </a:ln>
+          <a:extLst>
+            <a:ext uri="{909E8E84-426E-40DD-AFC4-6F175D3DCCD1}">
+              <a14:hiddenFill xmlns:a14="http://schemas.microsoft.com/office/drawing/2010/main">
+                <a:solidFill>
+                  <a:srgbClr val="FFFFFF"/>
+                </a:solidFill>
+              </a14:hiddenFill>
+            </a:ext>
+            <a:ext uri="{91240B29-F687-4F45-9708-019B960494DF}">
+              <a14:hiddenLine xmlns:a14="http://schemas.microsoft.com/office/drawing/2010/main" w="9525">
+                <a:solidFill>
+                  <a:srgbClr val="000000"/>
+                </a:solidFill>
+                <a:miter lim="800000"/>
+                <a:headEnd/>
+                <a:tailEnd/>
+              </a14:hiddenLine>
+            </a:ext>
+          </a:extLst>
+        </p:spPr>
+      </p:pic>
+      <p:sp>
+        <p:nvSpPr>
+          <p:cNvPr id="3" name="TextBox 2">
+            <a:extLst>
+              <a:ext uri="{FF2B5EF4-FFF2-40B4-BE49-F238E27FC236}">
+                <a16:creationId xmlns:a16="http://schemas.microsoft.com/office/drawing/2014/main" id="{8A00C747-AA24-40EB-9A38-B0777FA24B05}"/>
+              </a:ext>
+            </a:extLst>
+          </p:cNvPr>
+          <p:cNvSpPr txBox="1"/>
+          <p:nvPr/>
+        </p:nvSpPr>
+        <p:spPr>
+          <a:xfrm>
+            <a:off x="630314" y="6380038"/>
+            <a:ext cx="1829347" cy="523220"/>
+          </a:xfrm>
+          <a:prstGeom prst="rect">
+            <a:avLst/>
+          </a:prstGeom>
+          <a:noFill/>
+        </p:spPr>
+        <p:txBody>
+          <a:bodyPr wrap="none" rtlCol="0">
+            <a:spAutoFit/>
+          </a:bodyPr>
+          <a:lstStyle/>
+          <a:p>
+            <a:r>
+              <a:rPr lang="en-US" sz="2800" dirty="0" err="1"/>
+              <a:t>WinOrLose</a:t>
+            </a:r>
+            <a:endParaRPr lang="ru-RU" dirty="0"/>
+          </a:p>
+        </p:txBody>
+      </p:sp>
+      <p:sp>
+        <p:nvSpPr>
+          <p:cNvPr id="10" name="TextBox 9">
+            <a:extLst>
+              <a:ext uri="{FF2B5EF4-FFF2-40B4-BE49-F238E27FC236}">
+                <a16:creationId xmlns:a16="http://schemas.microsoft.com/office/drawing/2014/main" id="{16E62112-A991-4CA7-A928-EBBF069B688D}"/>
+              </a:ext>
+            </a:extLst>
+          </p:cNvPr>
+          <p:cNvSpPr txBox="1"/>
+          <p:nvPr/>
+        </p:nvSpPr>
+        <p:spPr>
+          <a:xfrm>
+            <a:off x="3836633" y="6380038"/>
+            <a:ext cx="1806072" cy="523220"/>
+          </a:xfrm>
+          <a:prstGeom prst="rect">
+            <a:avLst/>
+          </a:prstGeom>
+          <a:noFill/>
+        </p:spPr>
+        <p:txBody>
+          <a:bodyPr wrap="none" rtlCol="0">
+            <a:spAutoFit/>
+          </a:bodyPr>
+          <a:lstStyle/>
+          <a:p>
+            <a:r>
+              <a:rPr lang="en-US" sz="2800" dirty="0" err="1"/>
+              <a:t>IsCellExists</a:t>
+            </a:r>
+            <a:endParaRPr lang="ru-RU" dirty="0"/>
+          </a:p>
+        </p:txBody>
+      </p:sp>
+      <p:sp>
+        <p:nvSpPr>
+          <p:cNvPr id="11" name="TextBox 10">
+            <a:extLst>
+              <a:ext uri="{FF2B5EF4-FFF2-40B4-BE49-F238E27FC236}">
+                <a16:creationId xmlns:a16="http://schemas.microsoft.com/office/drawing/2014/main" id="{21D8E78D-C31B-4937-AB71-547E70558EE0}"/>
+              </a:ext>
+            </a:extLst>
+          </p:cNvPr>
+          <p:cNvSpPr txBox="1"/>
+          <p:nvPr/>
+        </p:nvSpPr>
+        <p:spPr>
+          <a:xfrm>
+            <a:off x="9815569" y="6334780"/>
+            <a:ext cx="2092239" cy="523220"/>
+          </a:xfrm>
+          <a:prstGeom prst="rect">
+            <a:avLst/>
+          </a:prstGeom>
+          <a:noFill/>
+        </p:spPr>
+        <p:txBody>
+          <a:bodyPr wrap="none" rtlCol="0">
+            <a:spAutoFit/>
+          </a:bodyPr>
+          <a:lstStyle/>
+          <a:p>
+            <a:r>
+              <a:rPr lang="en-US" sz="2800" dirty="0"/>
+              <a:t>CheckSum10</a:t>
+            </a:r>
+            <a:endParaRPr lang="ru-RU" dirty="0"/>
+          </a:p>
+        </p:txBody>
+      </p:sp>
+      <p:sp>
+        <p:nvSpPr>
+          <p:cNvPr id="12" name="TextBox 11">
+            <a:extLst>
+              <a:ext uri="{FF2B5EF4-FFF2-40B4-BE49-F238E27FC236}">
+                <a16:creationId xmlns:a16="http://schemas.microsoft.com/office/drawing/2014/main" id="{2127F11C-315B-49D9-B817-0E667E659B31}"/>
+              </a:ext>
+            </a:extLst>
+          </p:cNvPr>
+          <p:cNvSpPr txBox="1"/>
+          <p:nvPr/>
+        </p:nvSpPr>
+        <p:spPr>
+          <a:xfrm>
+            <a:off x="7272291" y="6346056"/>
+            <a:ext cx="1697003" cy="523220"/>
+          </a:xfrm>
+          <a:prstGeom prst="rect">
+            <a:avLst/>
+          </a:prstGeom>
+          <a:noFill/>
+        </p:spPr>
+        <p:txBody>
+          <a:bodyPr wrap="none" rtlCol="0">
+            <a:spAutoFit/>
+          </a:bodyPr>
+          <a:lstStyle/>
+          <a:p>
+            <a:r>
+              <a:rPr lang="en-US" sz="2800" dirty="0" err="1"/>
+              <a:t>MakePath</a:t>
+            </a:r>
+            <a:endParaRPr lang="ru-RU" dirty="0"/>
+          </a:p>
+        </p:txBody>
+      </p:sp>
+    </p:spTree>
+    <p:extLst>
+      <p:ext uri="{BB962C8B-B14F-4D97-AF65-F5344CB8AC3E}">
+        <p14:creationId xmlns:p14="http://schemas.microsoft.com/office/powerpoint/2010/main" val="2461694239"/>
+      </p:ext>
+    </p:extLst>
+  </p:cSld>
+  <p:clrMapOvr>
+    <a:masterClrMapping/>
+  </p:clrMapOvr>
+</p:sld>
+</file>
+
+<file path=ppt/slides/slide7.xml><?xml version="1.0" encoding="utf-8"?>
+<p:sld xmlns:a="http://schemas.openxmlformats.org/drawingml/2006/main" xmlns:r="http://schemas.openxmlformats.org/officeDocument/2006/relationships" xmlns:p="http://schemas.openxmlformats.org/presentationml/2006/main">
+  <p:cSld>
+    <p:spTree>
+      <p:nvGrpSpPr>
+        <p:cNvPr id="1" name=""/>
+        <p:cNvGrpSpPr/>
+        <p:nvPr/>
+      </p:nvGrpSpPr>
+      <p:grpSpPr>
+        <a:xfrm>
+          <a:off x="0" y="0"/>
+          <a:ext cx="0" cy="0"/>
+          <a:chOff x="0" y="0"/>
+          <a:chExt cx="0" cy="0"/>
+        </a:xfrm>
+      </p:grpSpPr>
+      <p:sp>
+        <p:nvSpPr>
+          <p:cNvPr id="2" name="Заголовок 1">
+            <a:extLst>
+              <a:ext uri="{FF2B5EF4-FFF2-40B4-BE49-F238E27FC236}">
+                <a16:creationId xmlns:a16="http://schemas.microsoft.com/office/drawing/2014/main" id="{A19981F2-7EE1-4C21-AC8A-5DB1C6702AC4}"/>
+              </a:ext>
+            </a:extLst>
+          </p:cNvPr>
+          <p:cNvSpPr>
+            <a:spLocks noGrp="1"/>
+          </p:cNvSpPr>
+          <p:nvPr>
+            <p:ph type="ctrTitle"/>
+          </p:nvPr>
+        </p:nvSpPr>
+        <p:spPr>
+          <a:xfrm>
+            <a:off x="186430" y="145819"/>
+            <a:ext cx="11913834" cy="768581"/>
+          </a:xfrm>
+        </p:spPr>
+        <p:txBody>
+          <a:bodyPr>
+            <a:normAutofit/>
+          </a:bodyPr>
+          <a:lstStyle/>
+          <a:p>
+            <a:r>
+              <a:rPr lang="ru-RU" sz="4000" b="1" dirty="0">
+                <a:effectLst/>
+                <a:latin typeface="Times New Roman" panose="02020603050405020304" pitchFamily="18" charset="0"/>
+                <a:ea typeface="Times New Roman" panose="02020603050405020304" pitchFamily="18" charset="0"/>
+              </a:rPr>
+              <a:t>Структурная схема класса</a:t>
+            </a:r>
+            <a:endParaRPr lang="ru-RU" sz="11500" b="1" dirty="0"/>
+          </a:p>
+        </p:txBody>
+      </p:sp>
+      <p:pic>
+        <p:nvPicPr>
+          <p:cNvPr id="5" name="Рисунок 4">
+            <a:extLst>
+              <a:ext uri="{FF2B5EF4-FFF2-40B4-BE49-F238E27FC236}">
+                <a16:creationId xmlns:a16="http://schemas.microsoft.com/office/drawing/2014/main" id="{56812251-70D6-4B67-A0ED-03F93EA9CDAB}"/>
+              </a:ext>
+            </a:extLst>
+          </p:cNvPr>
+          <p:cNvPicPr>
+            <a:picLocks noChangeAspect="1"/>
+          </p:cNvPicPr>
+          <p:nvPr/>
+        </p:nvPicPr>
+        <p:blipFill>
+          <a:blip r:embed="rId2"/>
+          <a:stretch>
+            <a:fillRect/>
+          </a:stretch>
+        </p:blipFill>
+        <p:spPr>
+          <a:xfrm>
+            <a:off x="958788" y="3950563"/>
+            <a:ext cx="10191565" cy="672789"/>
+          </a:xfrm>
+          <a:prstGeom prst="rect">
+            <a:avLst/>
+          </a:prstGeom>
+        </p:spPr>
+      </p:pic>
+      <p:sp>
+        <p:nvSpPr>
+          <p:cNvPr id="6" name="Подзаголовок 5">
+            <a:extLst>
+              <a:ext uri="{FF2B5EF4-FFF2-40B4-BE49-F238E27FC236}">
+                <a16:creationId xmlns:a16="http://schemas.microsoft.com/office/drawing/2014/main" id="{40E7898D-1395-4325-8034-AD247CA601EE}"/>
+              </a:ext>
+            </a:extLst>
+          </p:cNvPr>
+          <p:cNvSpPr>
+            <a:spLocks noGrp="1"/>
+          </p:cNvSpPr>
+          <p:nvPr>
+            <p:ph type="subTitle" idx="1"/>
+          </p:nvPr>
+        </p:nvSpPr>
+        <p:spPr/>
+        <p:txBody>
+          <a:bodyPr/>
+          <a:lstStyle/>
+          <a:p>
+            <a:endParaRPr lang="ru-RU"/>
+          </a:p>
+        </p:txBody>
+      </p:sp>
+      <p:pic>
+        <p:nvPicPr>
+          <p:cNvPr id="2050" name="Рисунок 1">
+            <a:extLst>
+              <a:ext uri="{FF2B5EF4-FFF2-40B4-BE49-F238E27FC236}">
+                <a16:creationId xmlns:a16="http://schemas.microsoft.com/office/drawing/2014/main" id="{6A592D93-27B6-4171-A5D9-CF74D7A6CA67}"/>
+              </a:ext>
+            </a:extLst>
+          </p:cNvPr>
+          <p:cNvPicPr>
+            <a:picLocks noChangeAspect="1" noChangeArrowheads="1"/>
+          </p:cNvPicPr>
+          <p:nvPr/>
+        </p:nvPicPr>
+        <p:blipFill>
+          <a:blip r:embed="rId3">
+            <a:extLst>
+              <a:ext uri="{28A0092B-C50C-407E-A947-70E740481C1C}">
+                <a14:useLocalDpi xmlns:a14="http://schemas.microsoft.com/office/drawing/2010/main" val="0"/>
+              </a:ext>
+            </a:extLst>
+          </a:blip>
+          <a:srcRect/>
+          <a:stretch>
+            <a:fillRect/>
+          </a:stretch>
+        </p:blipFill>
+        <p:spPr bwMode="auto">
+          <a:xfrm>
+            <a:off x="762969" y="1043126"/>
+            <a:ext cx="10583201" cy="5012708"/>
+          </a:xfrm>
+          <a:prstGeom prst="rect">
+            <a:avLst/>
+          </a:prstGeom>
+          <a:noFill/>
+          <a:ln>
+            <a:noFill/>
+          </a:ln>
+          <a:extLst>
+            <a:ext uri="{909E8E84-426E-40DD-AFC4-6F175D3DCCD1}">
+              <a14:hiddenFill xmlns:a14="http://schemas.microsoft.com/office/drawing/2010/main">
+                <a:solidFill>
+                  <a:srgbClr val="FFFFFF"/>
+                </a:solidFill>
+              </a14:hiddenFill>
+            </a:ext>
+            <a:ext uri="{91240B29-F687-4F45-9708-019B960494DF}">
+              <a14:hiddenLine xmlns:a14="http://schemas.microsoft.com/office/drawing/2010/main" w="9525">
+                <a:solidFill>
+                  <a:srgbClr val="000000"/>
+                </a:solidFill>
+                <a:miter lim="800000"/>
+                <a:headEnd/>
+                <a:tailEnd/>
+              </a14:hiddenLine>
+            </a:ext>
+          </a:extLst>
+        </p:spPr>
+      </p:pic>
     </p:spTree>
     <p:extLst>
       <p:ext uri="{BB962C8B-B14F-4D97-AF65-F5344CB8AC3E}">
@@ -5064,7 +5528,7 @@
 </p:sld>
 </file>
 
-<file path=ppt/slides/slide7.xml><?xml version="1.0" encoding="utf-8"?>
+<file path=ppt/slides/slide8.xml><?xml version="1.0" encoding="utf-8"?>
 <p:sld xmlns:a="http://schemas.openxmlformats.org/drawingml/2006/main" xmlns:r="http://schemas.openxmlformats.org/officeDocument/2006/relationships" xmlns:p="http://schemas.openxmlformats.org/presentationml/2006/main">
   <p:cSld>
     <p:spTree>
